--- a/Task 1 - Web Scraping to Gain Company Insight/Task-1 Presentation.pptx
+++ b/Task 1 - Web Scraping to Gain Company Insight/Task-1 Presentation.pptx
@@ -105,6 +105,11 @@
       </a:defRPr>
     </a:lvl9pPr>
   </p:defaultTextStyle>
+  <p:extLst>
+    <p:ext uri="{EFAFB233-063F-42B5-8137-9DF3F51BA10A}">
+      <p15:sldGuideLst xmlns:p15="http://schemas.microsoft.com/office/powerpoint/2012/main"/>
+    </p:ext>
+  </p:extLst>
 </p:presentation>
 </file>
 
@@ -257,7 +262,7 @@
           <a:p>
             <a:fld id="{3A0F61D5-894C-40D3-88D6-596684137962}" type="datetimeFigureOut">
               <a:rPr lang="en-NG" smtClean="0"/>
-              <a:t>03/09/2023</a:t>
+              <a:t>04/09/2023</a:t>
             </a:fld>
             <a:endParaRPr lang="en-NG"/>
           </a:p>
@@ -457,7 +462,7 @@
           <a:p>
             <a:fld id="{3A0F61D5-894C-40D3-88D6-596684137962}" type="datetimeFigureOut">
               <a:rPr lang="en-NG" smtClean="0"/>
-              <a:t>03/09/2023</a:t>
+              <a:t>04/09/2023</a:t>
             </a:fld>
             <a:endParaRPr lang="en-NG"/>
           </a:p>
@@ -667,7 +672,7 @@
           <a:p>
             <a:fld id="{3A0F61D5-894C-40D3-88D6-596684137962}" type="datetimeFigureOut">
               <a:rPr lang="en-NG" smtClean="0"/>
-              <a:t>03/09/2023</a:t>
+              <a:t>04/09/2023</a:t>
             </a:fld>
             <a:endParaRPr lang="en-NG"/>
           </a:p>
@@ -1214,7 +1219,7 @@
           <a:p>
             <a:fld id="{3A0F61D5-894C-40D3-88D6-596684137962}" type="datetimeFigureOut">
               <a:rPr lang="en-NG" smtClean="0"/>
-              <a:t>03/09/2023</a:t>
+              <a:t>04/09/2023</a:t>
             </a:fld>
             <a:endParaRPr lang="en-NG"/>
           </a:p>
@@ -1490,7 +1495,7 @@
           <a:p>
             <a:fld id="{3A0F61D5-894C-40D3-88D6-596684137962}" type="datetimeFigureOut">
               <a:rPr lang="en-NG" smtClean="0"/>
-              <a:t>03/09/2023</a:t>
+              <a:t>04/09/2023</a:t>
             </a:fld>
             <a:endParaRPr lang="en-NG"/>
           </a:p>
@@ -1758,7 +1763,7 @@
           <a:p>
             <a:fld id="{3A0F61D5-894C-40D3-88D6-596684137962}" type="datetimeFigureOut">
               <a:rPr lang="en-NG" smtClean="0"/>
-              <a:t>03/09/2023</a:t>
+              <a:t>04/09/2023</a:t>
             </a:fld>
             <a:endParaRPr lang="en-NG"/>
           </a:p>
@@ -2173,7 +2178,7 @@
           <a:p>
             <a:fld id="{3A0F61D5-894C-40D3-88D6-596684137962}" type="datetimeFigureOut">
               <a:rPr lang="en-NG" smtClean="0"/>
-              <a:t>03/09/2023</a:t>
+              <a:t>04/09/2023</a:t>
             </a:fld>
             <a:endParaRPr lang="en-NG"/>
           </a:p>
@@ -2315,7 +2320,7 @@
           <a:p>
             <a:fld id="{3A0F61D5-894C-40D3-88D6-596684137962}" type="datetimeFigureOut">
               <a:rPr lang="en-NG" smtClean="0"/>
-              <a:t>03/09/2023</a:t>
+              <a:t>04/09/2023</a:t>
             </a:fld>
             <a:endParaRPr lang="en-NG"/>
           </a:p>
@@ -2428,7 +2433,7 @@
           <a:p>
             <a:fld id="{3A0F61D5-894C-40D3-88D6-596684137962}" type="datetimeFigureOut">
               <a:rPr lang="en-NG" smtClean="0"/>
-              <a:t>03/09/2023</a:t>
+              <a:t>04/09/2023</a:t>
             </a:fld>
             <a:endParaRPr lang="en-NG"/>
           </a:p>
@@ -2741,7 +2746,7 @@
           <a:p>
             <a:fld id="{3A0F61D5-894C-40D3-88D6-596684137962}" type="datetimeFigureOut">
               <a:rPr lang="en-NG" smtClean="0"/>
-              <a:t>03/09/2023</a:t>
+              <a:t>04/09/2023</a:t>
             </a:fld>
             <a:endParaRPr lang="en-NG"/>
           </a:p>
@@ -3030,7 +3035,7 @@
           <a:p>
             <a:fld id="{3A0F61D5-894C-40D3-88D6-596684137962}" type="datetimeFigureOut">
               <a:rPr lang="en-NG" smtClean="0"/>
-              <a:t>03/09/2023</a:t>
+              <a:t>04/09/2023</a:t>
             </a:fld>
             <a:endParaRPr lang="en-NG"/>
           </a:p>
@@ -3273,7 +3278,7 @@
           <a:p>
             <a:fld id="{3A0F61D5-894C-40D3-88D6-596684137962}" type="datetimeFigureOut">
               <a:rPr lang="en-NG" smtClean="0"/>
-              <a:t>03/09/2023</a:t>
+              <a:t>04/09/2023</a:t>
             </a:fld>
             <a:endParaRPr lang="en-NG"/>
           </a:p>
@@ -4275,13 +4280,27 @@
           <a:lstStyle/>
           <a:p>
             <a:r>
-              <a:rPr lang="en-US" sz="1800" b="1" dirty="0">
+              <a:rPr lang="en-US" sz="2000" b="1" dirty="0">
                 <a:latin typeface="Arial" panose="020B0604020202020204" pitchFamily="34" charset="0"/>
                 <a:cs typeface="Arial" panose="020B0604020202020204" pitchFamily="34" charset="0"/>
               </a:rPr>
-              <a:t>Collected and cleaned 1000 reviews given by customers,  I obtained </a:t>
-            </a:r>
-            <a:endParaRPr lang="en-NG" dirty="0"/>
+              <a:t>Collected and </a:t>
+            </a:r>
+            <a:r>
+              <a:rPr lang="en-US" sz="2000" b="1">
+                <a:latin typeface="Arial" panose="020B0604020202020204" pitchFamily="34" charset="0"/>
+                <a:cs typeface="Arial" panose="020B0604020202020204" pitchFamily="34" charset="0"/>
+              </a:rPr>
+              <a:t>cleaned 3643 </a:t>
+            </a:r>
+            <a:r>
+              <a:rPr lang="en-US" sz="2000" b="1" dirty="0">
+                <a:latin typeface="Arial" panose="020B0604020202020204" pitchFamily="34" charset="0"/>
+                <a:cs typeface="Arial" panose="020B0604020202020204" pitchFamily="34" charset="0"/>
+              </a:rPr>
+              <a:t>reviews given by customers,  I obtained </a:t>
+            </a:r>
+            <a:endParaRPr lang="en-NG" sz="2000" dirty="0"/>
           </a:p>
         </p:txBody>
       </p:sp>
@@ -4299,8 +4318,8 @@
         </p:nvSpPr>
         <p:spPr>
           <a:xfrm>
-            <a:off x="833433" y="914397"/>
-            <a:ext cx="2716592" cy="1463325"/>
+            <a:off x="833433" y="1028700"/>
+            <a:ext cx="2716592" cy="1349022"/>
           </a:xfrm>
           <a:prstGeom prst="roundRect">
             <a:avLst/>
@@ -4334,21 +4353,21 @@
           <a:p>
             <a:pPr algn="ctr"/>
             <a:r>
-              <a:rPr lang="en-US" dirty="0"/>
+              <a:rPr lang="en-US" sz="2400" b="1" dirty="0"/>
               <a:t>Positive Reviews </a:t>
             </a:r>
           </a:p>
           <a:p>
             <a:pPr algn="ctr"/>
-            <a:endParaRPr lang="en-US" dirty="0"/>
+            <a:endParaRPr lang="en-US" sz="2400" b="1" dirty="0"/>
           </a:p>
           <a:p>
             <a:pPr algn="ctr"/>
             <a:r>
-              <a:rPr lang="en-US" dirty="0"/>
-              <a:t>413</a:t>
-            </a:r>
-            <a:endParaRPr lang="en-NG" dirty="0"/>
+              <a:rPr lang="en-US" sz="2400" b="1" dirty="0"/>
+              <a:t>1083</a:t>
+            </a:r>
+            <a:endParaRPr lang="en-NG" sz="2400" b="1" dirty="0"/>
           </a:p>
         </p:txBody>
       </p:sp>
@@ -4366,8 +4385,8 @@
         </p:nvSpPr>
         <p:spPr>
           <a:xfrm>
-            <a:off x="4719918" y="914394"/>
-            <a:ext cx="2904564" cy="1463325"/>
+            <a:off x="4719918" y="1028697"/>
+            <a:ext cx="2904564" cy="1349022"/>
           </a:xfrm>
           <a:prstGeom prst="roundRect">
             <a:avLst/>
@@ -4405,19 +4424,19 @@
           <a:p>
             <a:pPr algn="ctr"/>
             <a:r>
-              <a:rPr lang="en-US" dirty="0"/>
+              <a:rPr lang="en-US" sz="2400" b="1" dirty="0"/>
               <a:t>Negative Reviews </a:t>
             </a:r>
           </a:p>
           <a:p>
             <a:pPr algn="ctr"/>
-            <a:endParaRPr lang="en-US" dirty="0"/>
+            <a:endParaRPr lang="en-US" sz="2400" b="1" dirty="0"/>
           </a:p>
           <a:p>
             <a:pPr algn="ctr"/>
             <a:r>
-              <a:rPr lang="en-US" dirty="0"/>
-              <a:t>491</a:t>
+              <a:rPr lang="en-US" sz="2400" b="1" dirty="0"/>
+              <a:t>1505</a:t>
             </a:r>
           </a:p>
           <a:p>
@@ -4440,8 +4459,8 @@
         </p:nvSpPr>
         <p:spPr>
           <a:xfrm>
-            <a:off x="8641977" y="914395"/>
-            <a:ext cx="2710234" cy="1463325"/>
+            <a:off x="8641977" y="1028697"/>
+            <a:ext cx="2710234" cy="1349023"/>
           </a:xfrm>
           <a:prstGeom prst="roundRect">
             <a:avLst/>
@@ -4479,19 +4498,19 @@
           <a:p>
             <a:pPr algn="ctr"/>
             <a:r>
-              <a:rPr lang="en-US" dirty="0"/>
+              <a:rPr lang="en-US" sz="2400" b="1" dirty="0"/>
               <a:t>Neutral Reviews</a:t>
             </a:r>
           </a:p>
           <a:p>
             <a:pPr algn="ctr"/>
-            <a:endParaRPr lang="en-US" dirty="0"/>
+            <a:endParaRPr lang="en-US" sz="2400" b="1" dirty="0"/>
           </a:p>
           <a:p>
             <a:pPr algn="ctr"/>
             <a:r>
-              <a:rPr lang="en-US" dirty="0"/>
-              <a:t>96 </a:t>
+              <a:rPr lang="en-US" sz="2400" b="1" dirty="0"/>
+              <a:t>335 </a:t>
             </a:r>
           </a:p>
           <a:p>

--- a/Task 1 - Web Scraping to Gain Company Insight/Task-1 Presentation.pptx
+++ b/Task 1 - Web Scraping to Gain Company Insight/Task-1 Presentation.pptx
@@ -262,7 +262,7 @@
           <a:p>
             <a:fld id="{3A0F61D5-894C-40D3-88D6-596684137962}" type="datetimeFigureOut">
               <a:rPr lang="en-NG" smtClean="0"/>
-              <a:t>04/09/2023</a:t>
+              <a:t>07/09/2023</a:t>
             </a:fld>
             <a:endParaRPr lang="en-NG"/>
           </a:p>
@@ -462,7 +462,7 @@
           <a:p>
             <a:fld id="{3A0F61D5-894C-40D3-88D6-596684137962}" type="datetimeFigureOut">
               <a:rPr lang="en-NG" smtClean="0"/>
-              <a:t>04/09/2023</a:t>
+              <a:t>07/09/2023</a:t>
             </a:fld>
             <a:endParaRPr lang="en-NG"/>
           </a:p>
@@ -672,7 +672,7 @@
           <a:p>
             <a:fld id="{3A0F61D5-894C-40D3-88D6-596684137962}" type="datetimeFigureOut">
               <a:rPr lang="en-NG" smtClean="0"/>
-              <a:t>04/09/2023</a:t>
+              <a:t>07/09/2023</a:t>
             </a:fld>
             <a:endParaRPr lang="en-NG"/>
           </a:p>
@@ -1219,7 +1219,7 @@
           <a:p>
             <a:fld id="{3A0F61D5-894C-40D3-88D6-596684137962}" type="datetimeFigureOut">
               <a:rPr lang="en-NG" smtClean="0"/>
-              <a:t>04/09/2023</a:t>
+              <a:t>07/09/2023</a:t>
             </a:fld>
             <a:endParaRPr lang="en-NG"/>
           </a:p>
@@ -1495,7 +1495,7 @@
           <a:p>
             <a:fld id="{3A0F61D5-894C-40D3-88D6-596684137962}" type="datetimeFigureOut">
               <a:rPr lang="en-NG" smtClean="0"/>
-              <a:t>04/09/2023</a:t>
+              <a:t>07/09/2023</a:t>
             </a:fld>
             <a:endParaRPr lang="en-NG"/>
           </a:p>
@@ -1763,7 +1763,7 @@
           <a:p>
             <a:fld id="{3A0F61D5-894C-40D3-88D6-596684137962}" type="datetimeFigureOut">
               <a:rPr lang="en-NG" smtClean="0"/>
-              <a:t>04/09/2023</a:t>
+              <a:t>07/09/2023</a:t>
             </a:fld>
             <a:endParaRPr lang="en-NG"/>
           </a:p>
@@ -2178,7 +2178,7 @@
           <a:p>
             <a:fld id="{3A0F61D5-894C-40D3-88D6-596684137962}" type="datetimeFigureOut">
               <a:rPr lang="en-NG" smtClean="0"/>
-              <a:t>04/09/2023</a:t>
+              <a:t>07/09/2023</a:t>
             </a:fld>
             <a:endParaRPr lang="en-NG"/>
           </a:p>
@@ -2320,7 +2320,7 @@
           <a:p>
             <a:fld id="{3A0F61D5-894C-40D3-88D6-596684137962}" type="datetimeFigureOut">
               <a:rPr lang="en-NG" smtClean="0"/>
-              <a:t>04/09/2023</a:t>
+              <a:t>07/09/2023</a:t>
             </a:fld>
             <a:endParaRPr lang="en-NG"/>
           </a:p>
@@ -2433,7 +2433,7 @@
           <a:p>
             <a:fld id="{3A0F61D5-894C-40D3-88D6-596684137962}" type="datetimeFigureOut">
               <a:rPr lang="en-NG" smtClean="0"/>
-              <a:t>04/09/2023</a:t>
+              <a:t>07/09/2023</a:t>
             </a:fld>
             <a:endParaRPr lang="en-NG"/>
           </a:p>
@@ -2746,7 +2746,7 @@
           <a:p>
             <a:fld id="{3A0F61D5-894C-40D3-88D6-596684137962}" type="datetimeFigureOut">
               <a:rPr lang="en-NG" smtClean="0"/>
-              <a:t>04/09/2023</a:t>
+              <a:t>07/09/2023</a:t>
             </a:fld>
             <a:endParaRPr lang="en-NG"/>
           </a:p>
@@ -3035,7 +3035,7 @@
           <a:p>
             <a:fld id="{3A0F61D5-894C-40D3-88D6-596684137962}" type="datetimeFigureOut">
               <a:rPr lang="en-NG" smtClean="0"/>
-              <a:t>04/09/2023</a:t>
+              <a:t>07/09/2023</a:t>
             </a:fld>
             <a:endParaRPr lang="en-NG"/>
           </a:p>
@@ -3278,7 +3278,7 @@
           <a:p>
             <a:fld id="{3A0F61D5-894C-40D3-88D6-596684137962}" type="datetimeFigureOut">
               <a:rPr lang="en-NG" smtClean="0"/>
-              <a:t>04/09/2023</a:t>
+              <a:t>07/09/2023</a:t>
             </a:fld>
             <a:endParaRPr lang="en-NG"/>
           </a:p>
@@ -4132,9 +4132,8 @@
               </a:ext>
             </a:extLst>
           </a:blip>
-          <a:stretch>
-            <a:fillRect/>
-          </a:stretch>
+          <a:srcRect/>
+          <a:stretch/>
         </p:blipFill>
         <p:spPr>
           <a:xfrm>
@@ -4365,9 +4364,8 @@
             <a:pPr algn="ctr"/>
             <a:r>
               <a:rPr lang="en-US" sz="2400" b="1" dirty="0"/>
-              <a:t>1083</a:t>
-            </a:r>
-            <a:endParaRPr lang="en-NG" sz="2400" b="1" dirty="0"/>
+              <a:t>1505</a:t>
+            </a:r>
           </a:p>
         </p:txBody>
       </p:sp>
@@ -4436,8 +4434,9 @@
             <a:pPr algn="ctr"/>
             <a:r>
               <a:rPr lang="en-US" sz="2400" b="1" dirty="0"/>
-              <a:t>1505</a:t>
-            </a:r>
+              <a:t>1083</a:t>
+            </a:r>
+            <a:endParaRPr lang="en-NG" sz="2400" b="1" dirty="0"/>
           </a:p>
           <a:p>
             <a:pPr algn="ctr"/>
